--- a/text/ВКР_презаентация.pptx
+++ b/text/ВКР_презаентация.pptx
@@ -5,10 +5,10 @@
     <p:sldMasterId id="2147483648" r:id="rId1"/>
   </p:sldMasterIdLst>
   <p:notesMasterIdLst>
-    <p:notesMasterId r:id="rId15"/>
+    <p:notesMasterId r:id="rId17"/>
   </p:notesMasterIdLst>
   <p:handoutMasterIdLst>
-    <p:handoutMasterId r:id="rId16"/>
+    <p:handoutMasterId r:id="rId18"/>
   </p:handoutMasterIdLst>
   <p:sldIdLst>
     <p:sldId id="256" r:id="rId2"/>
@@ -22,8 +22,10 @@
     <p:sldId id="264" r:id="rId10"/>
     <p:sldId id="269" r:id="rId11"/>
     <p:sldId id="262" r:id="rId12"/>
-    <p:sldId id="266" r:id="rId13"/>
-    <p:sldId id="267" r:id="rId14"/>
+    <p:sldId id="271" r:id="rId13"/>
+    <p:sldId id="266" r:id="rId14"/>
+    <p:sldId id="267" r:id="rId15"/>
+    <p:sldId id="270" r:id="rId16"/>
   </p:sldIdLst>
   <p:sldSz cx="12192000" cy="6858000"/>
   <p:notesSz cx="6858000" cy="9144000"/>
@@ -4166,7 +4168,7 @@
           <p:nvPr>
             <p:extLst>
               <p:ext uri="{D42A27DB-BD31-4B8C-83A1-F6EECF244321}">
-                <p14:modId xmlns:p14="http://schemas.microsoft.com/office/powerpoint/2010/main" val="496804967"/>
+                <p14:modId xmlns:p14="http://schemas.microsoft.com/office/powerpoint/2010/main" val="127886389"/>
               </p:ext>
             </p:extLst>
           </p:nvPr>
@@ -4246,7 +4248,21 @@
                           <a:latin typeface="Times New Roman" panose="02020603050405020304" pitchFamily="18" charset="0"/>
                           <a:cs typeface="Times New Roman" panose="02020603050405020304" pitchFamily="18" charset="0"/>
                         </a:rPr>
-                        <a:t>ассистент, </a:t>
+                        <a:t>Ассистент </a:t>
+                      </a:r>
+                      <a:r>
+                        <a:rPr lang="ru-RU" sz="2000" dirty="0" err="1">
+                          <a:latin typeface="Times New Roman" panose="02020603050405020304" pitchFamily="18" charset="0"/>
+                          <a:cs typeface="Times New Roman" panose="02020603050405020304" pitchFamily="18" charset="0"/>
+                        </a:rPr>
+                        <a:t>ВШПФиКТ</a:t>
+                      </a:r>
+                      <a:r>
+                        <a:rPr lang="ru-RU" sz="2000" dirty="0">
+                          <a:latin typeface="Times New Roman" panose="02020603050405020304" pitchFamily="18" charset="0"/>
+                          <a:cs typeface="Times New Roman" panose="02020603050405020304" pitchFamily="18" charset="0"/>
+                        </a:rPr>
+                        <a:t>, </a:t>
                       </a:r>
                       <a:r>
                         <a:rPr lang="ru-RU" sz="2000" dirty="0" err="1">
@@ -4284,7 +4300,21 @@
                           <a:latin typeface="Times New Roman" panose="02020603050405020304" pitchFamily="18" charset="0"/>
                           <a:cs typeface="Times New Roman" panose="02020603050405020304" pitchFamily="18" charset="0"/>
                         </a:rPr>
-                        <a:t>профессор, </a:t>
+                        <a:t>Профессор </a:t>
+                      </a:r>
+                      <a:r>
+                        <a:rPr lang="ru-RU" sz="2000" dirty="0" err="1">
+                          <a:latin typeface="Times New Roman" panose="02020603050405020304" pitchFamily="18" charset="0"/>
+                          <a:cs typeface="Times New Roman" panose="02020603050405020304" pitchFamily="18" charset="0"/>
+                        </a:rPr>
+                        <a:t>ВШПФиКТ</a:t>
+                      </a:r>
+                      <a:r>
+                        <a:rPr lang="ru-RU" sz="2000" dirty="0">
+                          <a:latin typeface="Times New Roman" panose="02020603050405020304" pitchFamily="18" charset="0"/>
+                          <a:cs typeface="Times New Roman" panose="02020603050405020304" pitchFamily="18" charset="0"/>
+                        </a:rPr>
+                        <a:t>, </a:t>
                       </a:r>
                       <a:r>
                         <a:rPr lang="ru-RU" sz="2000" dirty="0" err="1">
@@ -4562,6 +4592,42 @@
           </a:prstGeom>
         </p:spPr>
       </p:pic>
+      <p:sp>
+        <p:nvSpPr>
+          <p:cNvPr id="2" name="TextBox 1">
+            <a:extLst>
+              <a:ext uri="{FF2B5EF4-FFF2-40B4-BE49-F238E27FC236}">
+                <a16:creationId xmlns:a16="http://schemas.microsoft.com/office/drawing/2014/main" id="{CE683E0D-B397-7FA0-31BE-D9FEAB9365AD}"/>
+              </a:ext>
+            </a:extLst>
+          </p:cNvPr>
+          <p:cNvSpPr txBox="1"/>
+          <p:nvPr/>
+        </p:nvSpPr>
+        <p:spPr>
+          <a:xfrm>
+            <a:off x="9783097" y="1966452"/>
+            <a:ext cx="1887793" cy="1200329"/>
+          </a:xfrm>
+          <a:prstGeom prst="rect">
+            <a:avLst/>
+          </a:prstGeom>
+          <a:noFill/>
+        </p:spPr>
+        <p:txBody>
+          <a:bodyPr wrap="square" rtlCol="0">
+            <a:spAutoFit/>
+          </a:bodyPr>
+          <a:lstStyle/>
+          <a:p>
+            <a:r>
+              <a:rPr lang="ru-RU" dirty="0"/>
+              <a:t>Добавить  разность и выбрать РЛИ лучше</a:t>
+            </a:r>
+            <a:endParaRPr lang="en-US" dirty="0"/>
+          </a:p>
+        </p:txBody>
+      </p:sp>
     </p:spTree>
     <p:extLst>
       <p:ext uri="{BB962C8B-B14F-4D97-AF65-F5344CB8AC3E}">
@@ -7033,6 +7099,119 @@
       </p:grpSpPr>
       <p:sp>
         <p:nvSpPr>
+          <p:cNvPr id="2" name="Title 1">
+            <a:extLst>
+              <a:ext uri="{FF2B5EF4-FFF2-40B4-BE49-F238E27FC236}">
+                <a16:creationId xmlns:a16="http://schemas.microsoft.com/office/drawing/2014/main" id="{0FF0BED4-51D5-DB52-5A63-B2E7A5EB54A9}"/>
+              </a:ext>
+            </a:extLst>
+          </p:cNvPr>
+          <p:cNvSpPr>
+            <a:spLocks noGrp="1"/>
+          </p:cNvSpPr>
+          <p:nvPr>
+            <p:ph type="title"/>
+          </p:nvPr>
+        </p:nvSpPr>
+        <p:spPr/>
+        <p:txBody>
+          <a:bodyPr/>
+          <a:lstStyle/>
+          <a:p>
+            <a:endParaRPr lang="en-US"/>
+          </a:p>
+        </p:txBody>
+      </p:sp>
+      <p:sp>
+        <p:nvSpPr>
+          <p:cNvPr id="3" name="Content Placeholder 2">
+            <a:extLst>
+              <a:ext uri="{FF2B5EF4-FFF2-40B4-BE49-F238E27FC236}">
+                <a16:creationId xmlns:a16="http://schemas.microsoft.com/office/drawing/2014/main" id="{17D86A07-DB64-F48F-6D01-FA4092541989}"/>
+              </a:ext>
+            </a:extLst>
+          </p:cNvPr>
+          <p:cNvSpPr>
+            <a:spLocks noGrp="1"/>
+          </p:cNvSpPr>
+          <p:nvPr>
+            <p:ph idx="1"/>
+          </p:nvPr>
+        </p:nvSpPr>
+        <p:spPr/>
+        <p:txBody>
+          <a:bodyPr/>
+          <a:lstStyle/>
+          <a:p>
+            <a:r>
+              <a:rPr lang="ru-RU" dirty="0"/>
+              <a:t>Вычислительная сложность</a:t>
+            </a:r>
+            <a:endParaRPr lang="en-US" dirty="0"/>
+          </a:p>
+        </p:txBody>
+      </p:sp>
+      <p:sp>
+        <p:nvSpPr>
+          <p:cNvPr id="4" name="Slide Number Placeholder 3">
+            <a:extLst>
+              <a:ext uri="{FF2B5EF4-FFF2-40B4-BE49-F238E27FC236}">
+                <a16:creationId xmlns:a16="http://schemas.microsoft.com/office/drawing/2014/main" id="{5C353D69-42C1-E9BC-48AF-C66CFA592F20}"/>
+              </a:ext>
+            </a:extLst>
+          </p:cNvPr>
+          <p:cNvSpPr>
+            <a:spLocks noGrp="1"/>
+          </p:cNvSpPr>
+          <p:nvPr>
+            <p:ph type="sldNum" sz="quarter" idx="12"/>
+          </p:nvPr>
+        </p:nvSpPr>
+        <p:spPr/>
+        <p:txBody>
+          <a:bodyPr/>
+          <a:lstStyle/>
+          <a:p>
+            <a:fld id="{36B25E5C-C684-4992-99DD-DF99FD03ACF3}" type="slidenum">
+              <a:rPr lang="ru-RU" smtClean="0"/>
+              <a:t>12</a:t>
+            </a:fld>
+            <a:endParaRPr lang="ru-RU"/>
+          </a:p>
+        </p:txBody>
+      </p:sp>
+    </p:spTree>
+    <p:extLst>
+      <p:ext uri="{BB962C8B-B14F-4D97-AF65-F5344CB8AC3E}">
+        <p14:creationId xmlns:p14="http://schemas.microsoft.com/office/powerpoint/2010/main" val="3825711906"/>
+      </p:ext>
+    </p:extLst>
+  </p:cSld>
+  <p:clrMapOvr>
+    <a:masterClrMapping/>
+  </p:clrMapOvr>
+</p:sld>
+</file>
+
+<file path=ppt/slides/slide13.xml><?xml version="1.0" encoding="utf-8"?>
+<p:sld xmlns:a="http://schemas.openxmlformats.org/drawingml/2006/main" xmlns:r="http://schemas.openxmlformats.org/officeDocument/2006/relationships" xmlns:p="http://schemas.openxmlformats.org/presentationml/2006/main">
+  <p:cSld>
+    <p:spTree>
+      <p:nvGrpSpPr>
+        <p:cNvPr id="1" name=""/>
+        <p:cNvGrpSpPr/>
+        <p:nvPr/>
+      </p:nvGrpSpPr>
+      <p:grpSpPr>
+        <a:xfrm>
+          <a:off x="0" y="0"/>
+          <a:ext cx="0" cy="0"/>
+          <a:chOff x="0" y="0"/>
+          <a:chExt cx="0" cy="0"/>
+        </a:xfrm>
+      </p:grpSpPr>
+      <p:sp>
+        <p:nvSpPr>
           <p:cNvPr id="7" name="Номер слайда 6">
             <a:extLst>
               <a:ext uri="{FF2B5EF4-FFF2-40B4-BE49-F238E27FC236}">
@@ -7054,7 +7233,7 @@
           <a:p>
             <a:fld id="{36B25E5C-C684-4992-99DD-DF99FD03ACF3}" type="slidenum">
               <a:rPr lang="ru-RU" smtClean="0"/>
-              <a:t>12</a:t>
+              <a:t>13</a:t>
             </a:fld>
             <a:endParaRPr lang="ru-RU" dirty="0"/>
           </a:p>
@@ -7123,7 +7302,7 @@
         <p:spPr>
           <a:xfrm>
             <a:off x="1715589" y="1733005"/>
-            <a:ext cx="8273141" cy="2677656"/>
+            <a:ext cx="8273141" cy="3046988"/>
           </a:xfrm>
           <a:prstGeom prst="rect">
             <a:avLst/>
@@ -7172,6 +7351,9 @@
           <a:p>
             <a:endParaRPr lang="ru-RU" sz="2400" dirty="0"/>
           </a:p>
+          <a:p>
+            <a:endParaRPr lang="ru-RU" sz="2400" dirty="0"/>
+          </a:p>
         </p:txBody>
       </p:sp>
     </p:spTree>
@@ -7187,7 +7369,7 @@
 </p:sld>
 </file>
 
-<file path=ppt/slides/slide13.xml><?xml version="1.0" encoding="utf-8"?>
+<file path=ppt/slides/slide14.xml><?xml version="1.0" encoding="utf-8"?>
 <p:sld xmlns:a="http://schemas.openxmlformats.org/drawingml/2006/main" xmlns:r="http://schemas.openxmlformats.org/officeDocument/2006/relationships" xmlns:p="http://schemas.openxmlformats.org/presentationml/2006/main">
   <p:cSld>
     <p:spTree>
@@ -7264,7 +7446,7 @@
           <a:p>
             <a:fld id="{36B25E5C-C684-4992-99DD-DF99FD03ACF3}" type="slidenum">
               <a:rPr lang="ru-RU" smtClean="0"/>
-              <a:t>13</a:t>
+              <a:t>14</a:t>
             </a:fld>
             <a:endParaRPr lang="ru-RU"/>
           </a:p>
@@ -7274,6 +7456,135 @@
     <p:extLst>
       <p:ext uri="{BB962C8B-B14F-4D97-AF65-F5344CB8AC3E}">
         <p14:creationId xmlns:p14="http://schemas.microsoft.com/office/powerpoint/2010/main" val="2066943775"/>
+      </p:ext>
+    </p:extLst>
+  </p:cSld>
+  <p:clrMapOvr>
+    <a:masterClrMapping/>
+  </p:clrMapOvr>
+</p:sld>
+</file>
+
+<file path=ppt/slides/slide15.xml><?xml version="1.0" encoding="utf-8"?>
+<p:sld xmlns:a="http://schemas.openxmlformats.org/drawingml/2006/main" xmlns:r="http://schemas.openxmlformats.org/officeDocument/2006/relationships" xmlns:p="http://schemas.openxmlformats.org/presentationml/2006/main">
+  <p:cSld>
+    <p:spTree>
+      <p:nvGrpSpPr>
+        <p:cNvPr id="1" name=""/>
+        <p:cNvGrpSpPr/>
+        <p:nvPr/>
+      </p:nvGrpSpPr>
+      <p:grpSpPr>
+        <a:xfrm>
+          <a:off x="0" y="0"/>
+          <a:ext cx="0" cy="0"/>
+          <a:chOff x="0" y="0"/>
+          <a:chExt cx="0" cy="0"/>
+        </a:xfrm>
+      </p:grpSpPr>
+      <p:sp>
+        <p:nvSpPr>
+          <p:cNvPr id="2" name="Title 1">
+            <a:extLst>
+              <a:ext uri="{FF2B5EF4-FFF2-40B4-BE49-F238E27FC236}">
+                <a16:creationId xmlns:a16="http://schemas.microsoft.com/office/drawing/2014/main" id="{048BFFB0-102C-A1EC-6637-CA6E73782FE7}"/>
+              </a:ext>
+            </a:extLst>
+          </p:cNvPr>
+          <p:cNvSpPr>
+            <a:spLocks noGrp="1"/>
+          </p:cNvSpPr>
+          <p:nvPr>
+            <p:ph type="title"/>
+          </p:nvPr>
+        </p:nvSpPr>
+        <p:spPr/>
+        <p:txBody>
+          <a:bodyPr/>
+          <a:lstStyle/>
+          <a:p>
+            <a:r>
+              <a:rPr lang="ru-RU" dirty="0" err="1"/>
+              <a:t>Доп</a:t>
+            </a:r>
+            <a:r>
+              <a:rPr lang="ru-RU" dirty="0"/>
+              <a:t> материалы </a:t>
+            </a:r>
+            <a:endParaRPr lang="en-US" dirty="0"/>
+          </a:p>
+        </p:txBody>
+      </p:sp>
+      <p:sp>
+        <p:nvSpPr>
+          <p:cNvPr id="3" name="Content Placeholder 2">
+            <a:extLst>
+              <a:ext uri="{FF2B5EF4-FFF2-40B4-BE49-F238E27FC236}">
+                <a16:creationId xmlns:a16="http://schemas.microsoft.com/office/drawing/2014/main" id="{B8F91856-E10F-AE9C-AE2D-7F84A60B627A}"/>
+              </a:ext>
+            </a:extLst>
+          </p:cNvPr>
+          <p:cNvSpPr>
+            <a:spLocks noGrp="1"/>
+          </p:cNvSpPr>
+          <p:nvPr>
+            <p:ph idx="1"/>
+          </p:nvPr>
+        </p:nvSpPr>
+        <p:spPr/>
+        <p:txBody>
+          <a:bodyPr/>
+          <a:lstStyle/>
+          <a:p>
+            <a:r>
+              <a:rPr lang="ru-RU" dirty="0"/>
+              <a:t>Что такое </a:t>
+            </a:r>
+            <a:r>
+              <a:rPr lang="ru-RU" dirty="0" err="1"/>
+              <a:t>нормалзация</a:t>
+            </a:r>
+            <a:r>
+              <a:rPr lang="ru-RU" dirty="0"/>
+              <a:t> на входе  </a:t>
+            </a:r>
+            <a:endParaRPr lang="en-US" dirty="0"/>
+          </a:p>
+        </p:txBody>
+      </p:sp>
+      <p:sp>
+        <p:nvSpPr>
+          <p:cNvPr id="4" name="Slide Number Placeholder 3">
+            <a:extLst>
+              <a:ext uri="{FF2B5EF4-FFF2-40B4-BE49-F238E27FC236}">
+                <a16:creationId xmlns:a16="http://schemas.microsoft.com/office/drawing/2014/main" id="{8D117EF1-B98E-2785-2F23-5EB39AECE465}"/>
+              </a:ext>
+            </a:extLst>
+          </p:cNvPr>
+          <p:cNvSpPr>
+            <a:spLocks noGrp="1"/>
+          </p:cNvSpPr>
+          <p:nvPr>
+            <p:ph type="sldNum" sz="quarter" idx="12"/>
+          </p:nvPr>
+        </p:nvSpPr>
+        <p:spPr/>
+        <p:txBody>
+          <a:bodyPr/>
+          <a:lstStyle/>
+          <a:p>
+            <a:fld id="{36B25E5C-C684-4992-99DD-DF99FD03ACF3}" type="slidenum">
+              <a:rPr lang="ru-RU" smtClean="0"/>
+              <a:t>15</a:t>
+            </a:fld>
+            <a:endParaRPr lang="ru-RU"/>
+          </a:p>
+        </p:txBody>
+      </p:sp>
+    </p:spTree>
+    <p:extLst>
+      <p:ext uri="{BB962C8B-B14F-4D97-AF65-F5344CB8AC3E}">
+        <p14:creationId xmlns:p14="http://schemas.microsoft.com/office/powerpoint/2010/main" val="535426762"/>
       </p:ext>
     </p:extLst>
   </p:cSld>
@@ -7354,7 +7665,7 @@
         <p:spPr>
           <a:xfrm>
             <a:off x="840041" y="1513135"/>
-            <a:ext cx="10511917" cy="4581062"/>
+            <a:ext cx="10511917" cy="5135060"/>
           </a:xfrm>
           <a:prstGeom prst="rect">
             <a:avLst/>
@@ -7394,6 +7705,25 @@
                 <a:cs typeface="Times New Roman" panose="02020603050405020304" pitchFamily="18" charset="0"/>
               </a:rPr>
               <a:t>Проектирование алгоритма фильтрации спекл-шума на базе нейронной сети</a:t>
+            </a:r>
+          </a:p>
+          <a:p>
+            <a:pPr marL="285750" indent="-285750">
+              <a:lnSpc>
+                <a:spcPct val="150000"/>
+              </a:lnSpc>
+              <a:buFont typeface="Arial" panose="020B0604020202020204" pitchFamily="34" charset="0"/>
+              <a:buChar char="•"/>
+            </a:pPr>
+            <a:r>
+              <a:rPr lang="ru-RU" sz="2400" dirty="0">
+                <a:highlight>
+                  <a:srgbClr val="FFFF00"/>
+                </a:highlight>
+                <a:latin typeface="Times New Roman" panose="02020603050405020304" pitchFamily="18" charset="0"/>
+                <a:cs typeface="Times New Roman" panose="02020603050405020304" pitchFamily="18" charset="0"/>
+              </a:rPr>
+              <a:t>Из диплома взять </a:t>
             </a:r>
           </a:p>
           <a:p>
@@ -7663,8 +7993,8 @@
           </a:p>
         </p:txBody>
       </p:sp>
-      <mc:AlternateContent xmlns:mc="http://schemas.openxmlformats.org/markup-compatibility/2006">
-        <mc:Choice xmlns:a14="http://schemas.microsoft.com/office/drawing/2010/main" Requires="a14">
+      <mc:AlternateContent xmlns:mc="http://schemas.openxmlformats.org/markup-compatibility/2006" xmlns:a14="http://schemas.microsoft.com/office/drawing/2010/main">
+        <mc:Choice Requires="a14">
           <p:sp>
             <p:nvSpPr>
               <p:cNvPr id="9" name="TextBox 8">
@@ -7707,70 +8037,94 @@
                       <m:sSub>
                         <m:sSubPr>
                           <m:ctrlPr>
-                            <a:rPr lang="ru-RU" sz="2000" i="1"/>
+                            <a:rPr lang="ru-RU" sz="2000" i="1">
+                              <a:latin typeface="Cambria Math" panose="02040503050406030204" pitchFamily="18" charset="0"/>
+                            </a:rPr>
                           </m:ctrlPr>
                         </m:sSubPr>
                         <m:e>
                           <m:r>
-                            <a:rPr lang="en-US" sz="2000" i="1"/>
+                            <a:rPr lang="en-US" sz="2000" i="1">
+                              <a:latin typeface="Cambria Math" panose="02040503050406030204" pitchFamily="18" charset="0"/>
+                            </a:rPr>
                             <m:t>𝑡</m:t>
                           </m:r>
                         </m:e>
                         <m:sub>
                           <m:r>
-                            <a:rPr lang="ru-RU" sz="2000" i="1"/>
+                            <a:rPr lang="ru-RU" sz="2000" i="1">
+                              <a:latin typeface="Cambria Math" panose="02040503050406030204" pitchFamily="18" charset="0"/>
+                            </a:rPr>
                             <m:t>1</m:t>
                           </m:r>
                         </m:sub>
                       </m:sSub>
                       <m:r>
-                        <a:rPr lang="ru-RU" sz="2000" i="1"/>
+                        <a:rPr lang="ru-RU" sz="2000" i="1">
+                          <a:latin typeface="Cambria Math" panose="02040503050406030204" pitchFamily="18" charset="0"/>
+                        </a:rPr>
                         <m:t>, </m:t>
                       </m:r>
                       <m:sSub>
                         <m:sSubPr>
                           <m:ctrlPr>
-                            <a:rPr lang="ru-RU" sz="2000" i="1"/>
+                            <a:rPr lang="ru-RU" sz="2000" i="1">
+                              <a:latin typeface="Cambria Math" panose="02040503050406030204" pitchFamily="18" charset="0"/>
+                            </a:rPr>
                           </m:ctrlPr>
                         </m:sSubPr>
                         <m:e>
                           <m:r>
-                            <a:rPr lang="en-US" sz="2000" i="1"/>
+                            <a:rPr lang="en-US" sz="2000" i="1">
+                              <a:latin typeface="Cambria Math" panose="02040503050406030204" pitchFamily="18" charset="0"/>
+                            </a:rPr>
                             <m:t>𝑡</m:t>
                           </m:r>
                         </m:e>
                         <m:sub>
                           <m:r>
-                            <a:rPr lang="ru-RU" sz="2000" i="1"/>
+                            <a:rPr lang="ru-RU" sz="2000" i="1">
+                              <a:latin typeface="Cambria Math" panose="02040503050406030204" pitchFamily="18" charset="0"/>
+                            </a:rPr>
                             <m:t>2</m:t>
                           </m:r>
                         </m:sub>
                       </m:sSub>
                       <m:r>
-                        <a:rPr lang="ru-RU" sz="2000" i="1"/>
+                        <a:rPr lang="ru-RU" sz="2000" i="1">
+                          <a:latin typeface="Cambria Math" panose="02040503050406030204" pitchFamily="18" charset="0"/>
+                        </a:rPr>
                         <m:t>, </m:t>
                       </m:r>
                       <m:sSub>
                         <m:sSubPr>
                           <m:ctrlPr>
-                            <a:rPr lang="ru-RU" sz="2000" i="1"/>
+                            <a:rPr lang="ru-RU" sz="2000" i="1">
+                              <a:latin typeface="Cambria Math" panose="02040503050406030204" pitchFamily="18" charset="0"/>
+                            </a:rPr>
                           </m:ctrlPr>
                         </m:sSubPr>
                         <m:e>
                           <m:r>
-                            <a:rPr lang="en-US" sz="2000" i="1"/>
+                            <a:rPr lang="en-US" sz="2000" i="1">
+                              <a:latin typeface="Cambria Math" panose="02040503050406030204" pitchFamily="18" charset="0"/>
+                            </a:rPr>
                             <m:t>𝑡</m:t>
                           </m:r>
                         </m:e>
                         <m:sub>
                           <m:r>
-                            <a:rPr lang="ru-RU" sz="2000" i="1"/>
+                            <a:rPr lang="ru-RU" sz="2000" i="1">
+                              <a:latin typeface="Cambria Math" panose="02040503050406030204" pitchFamily="18" charset="0"/>
+                            </a:rPr>
                             <m:t>3</m:t>
                           </m:r>
                         </m:sub>
                       </m:sSub>
                       <m:r>
-                        <a:rPr lang="en-US" sz="2000" i="1"/>
+                        <a:rPr lang="en-US" sz="2000" i="1">
+                          <a:latin typeface="Cambria Math" panose="02040503050406030204" pitchFamily="18" charset="0"/>
+                        </a:rPr>
                         <m:t> </m:t>
                       </m:r>
                       <m:r>
@@ -7794,7 +8148,7 @@
             </p:txBody>
           </p:sp>
         </mc:Choice>
-        <mc:Fallback>
+        <mc:Fallback xmlns="">
           <p:sp>
             <p:nvSpPr>
               <p:cNvPr id="9" name="TextBox 8">
@@ -8750,9 +9104,9 @@
         <p:grpSpPr>
           <a:xfrm>
             <a:off x="5178621" y="2112095"/>
-            <a:ext cx="6488863" cy="2633810"/>
+            <a:ext cx="6488863" cy="3249363"/>
             <a:chOff x="5144438" y="2109466"/>
-            <a:chExt cx="6488863" cy="2633810"/>
+            <a:chExt cx="6488863" cy="3249363"/>
           </a:xfrm>
         </p:grpSpPr>
         <p:sp>
@@ -8769,8 +9123,8 @@
           </p:nvSpPr>
           <p:spPr>
             <a:xfrm>
-              <a:off x="6242387" y="4343166"/>
-              <a:ext cx="4736425" cy="400110"/>
+              <a:off x="6242388" y="4343166"/>
+              <a:ext cx="4929910" cy="1015663"/>
             </a:xfrm>
             <a:prstGeom prst="rect">
               <a:avLst/>
@@ -8778,7 +9132,7 @@
             <a:noFill/>
           </p:spPr>
           <p:txBody>
-            <a:bodyPr wrap="none" rtlCol="0">
+            <a:bodyPr wrap="square" rtlCol="0">
               <a:spAutoFit/>
             </a:bodyPr>
             <a:lstStyle/>
@@ -8789,6 +9143,18 @@
                   <a:cs typeface="Times New Roman" panose="02020603050405020304" pitchFamily="18" charset="0"/>
                 </a:rPr>
                 <a:t>Рис. 5. Преобразование матрицы в вектор</a:t>
+              </a:r>
+            </a:p>
+            <a:p>
+              <a:r>
+                <a:rPr lang="ru-RU" sz="2000" dirty="0">
+                  <a:highlight>
+                    <a:srgbClr val="FFFF00"/>
+                  </a:highlight>
+                  <a:latin typeface="Times New Roman" panose="02020603050405020304" pitchFamily="18" charset="0"/>
+                  <a:cs typeface="Times New Roman" panose="02020603050405020304" pitchFamily="18" charset="0"/>
+                </a:rPr>
+                <a:t>Как  индексы в матрице, сделать вектор столбец, использовать 3*3, добавить для у</a:t>
               </a:r>
             </a:p>
           </p:txBody>
@@ -10595,7 +10961,7 @@
         <p:spPr>
           <a:xfrm>
             <a:off x="6776815" y="1996963"/>
-            <a:ext cx="5192994" cy="1938992"/>
+            <a:ext cx="5192994" cy="2677656"/>
           </a:xfrm>
           <a:prstGeom prst="rect">
             <a:avLst/>
@@ -10672,6 +11038,28 @@
                 <a:cs typeface="Times New Roman" panose="02020603050405020304" pitchFamily="18" charset="0"/>
               </a:rPr>
               <a:t>Количество эпох: 15</a:t>
+            </a:r>
+          </a:p>
+          <a:p>
+            <a:pPr marL="342900" indent="-342900">
+              <a:buFont typeface="Arial" panose="020B0604020202020204" pitchFamily="34" charset="0"/>
+              <a:buChar char="•"/>
+            </a:pPr>
+            <a:endParaRPr lang="ru-RU" sz="2400" dirty="0">
+              <a:latin typeface="Times New Roman" panose="02020603050405020304" pitchFamily="18" charset="0"/>
+              <a:cs typeface="Times New Roman" panose="02020603050405020304" pitchFamily="18" charset="0"/>
+            </a:endParaRPr>
+          </a:p>
+          <a:p>
+            <a:r>
+              <a:rPr lang="ru-RU" sz="2400" dirty="0">
+                <a:highlight>
+                  <a:srgbClr val="FFFF00"/>
+                </a:highlight>
+                <a:latin typeface="Times New Roman" panose="02020603050405020304" pitchFamily="18" charset="0"/>
+                <a:cs typeface="Times New Roman" panose="02020603050405020304" pitchFamily="18" charset="0"/>
+              </a:rPr>
+              <a:t>Пояснения  в формуле </a:t>
             </a:r>
           </a:p>
         </p:txBody>
@@ -10798,9 +11186,9 @@
         <p:grpSpPr>
           <a:xfrm>
             <a:off x="268661" y="1266739"/>
-            <a:ext cx="3967779" cy="2833114"/>
+            <a:ext cx="3967779" cy="3140889"/>
             <a:chOff x="604221" y="1082180"/>
-            <a:chExt cx="5374823" cy="4097580"/>
+            <a:chExt cx="5374823" cy="4542721"/>
           </a:xfrm>
         </p:grpSpPr>
         <p:sp>
@@ -10818,7 +11206,7 @@
           <p:spPr>
             <a:xfrm>
               <a:off x="1134798" y="4601074"/>
-              <a:ext cx="4542947" cy="578686"/>
+              <a:ext cx="4471288" cy="1023827"/>
             </a:xfrm>
             <a:prstGeom prst="rect">
               <a:avLst/>
@@ -10837,6 +11225,25 @@
                   <a:cs typeface="Times New Roman" panose="02020603050405020304" pitchFamily="18" charset="0"/>
                 </a:rPr>
                 <a:t>Рис. 7. Срез на изображении</a:t>
+              </a:r>
+              <a:endParaRPr lang="ru-RU" sz="2000" dirty="0">
+                <a:highlight>
+                  <a:srgbClr val="FFFF00"/>
+                </a:highlight>
+                <a:latin typeface="Times New Roman" panose="02020603050405020304" pitchFamily="18" charset="0"/>
+                <a:cs typeface="Times New Roman" panose="02020603050405020304" pitchFamily="18" charset="0"/>
+              </a:endParaRPr>
+            </a:p>
+            <a:p>
+              <a:r>
+                <a:rPr lang="ru-RU" sz="2000" dirty="0">
+                  <a:highlight>
+                    <a:srgbClr val="FFFF00"/>
+                  </a:highlight>
+                  <a:latin typeface="Times New Roman" panose="02020603050405020304" pitchFamily="18" charset="0"/>
+                  <a:cs typeface="Times New Roman" panose="02020603050405020304" pitchFamily="18" charset="0"/>
+                </a:rPr>
+                <a:t>У вместо х</a:t>
               </a:r>
               <a:r>
                 <a:rPr lang="ru-RU" dirty="0"/>
@@ -11009,8 +11416,8 @@
           </a:p>
         </p:txBody>
       </p:sp>
-      <mc:AlternateContent xmlns:mc="http://schemas.openxmlformats.org/markup-compatibility/2006" xmlns:a14="http://schemas.microsoft.com/office/drawing/2010/main">
-        <mc:Choice Requires="a14">
+      <mc:AlternateContent xmlns:mc="http://schemas.openxmlformats.org/markup-compatibility/2006">
+        <mc:Choice xmlns:a14="http://schemas.microsoft.com/office/drawing/2010/main" Requires="a14">
           <p:graphicFrame>
             <p:nvGraphicFramePr>
               <p:cNvPr id="4" name="Таблица 3">
@@ -11026,14 +11433,14 @@
               <p:nvPr>
                 <p:extLst>
                   <p:ext uri="{D42A27DB-BD31-4B8C-83A1-F6EECF244321}">
-                    <p14:modId xmlns:p14="http://schemas.microsoft.com/office/powerpoint/2010/main" val="2343022813"/>
+                    <p14:modId xmlns:p14="http://schemas.microsoft.com/office/powerpoint/2010/main" val="672833937"/>
                   </p:ext>
                 </p:extLst>
               </p:nvPr>
             </p:nvGraphicFramePr>
             <p:xfrm>
               <a:off x="6096000" y="1291843"/>
-              <a:ext cx="5676514" cy="3895600"/>
+              <a:ext cx="5676514" cy="4407600"/>
             </p:xfrm>
             <a:graphic>
               <a:graphicData uri="http://schemas.openxmlformats.org/drawingml/2006/table">
@@ -11419,8 +11826,44 @@
                             </a:rPr>
                             <a:t>Анизотропная диффузия</a:t>
                           </a:r>
+                        </a:p>
+                        <a:p>
+                          <a:pPr marL="0" indent="0" algn="l">
+                            <a:lnSpc>
+                              <a:spcPct val="100000"/>
+                            </a:lnSpc>
+                            <a:buFont typeface="+mj-lt"/>
+                            <a:buNone/>
+                          </a:pPr>
+                          <a:r>
+                            <a:rPr lang="ru-RU" sz="2000" kern="100" dirty="0">
+                              <a:effectLst/>
+                              <a:highlight>
+                                <a:srgbClr val="FFFF00"/>
+                              </a:highlight>
+                              <a:latin typeface="Times New Roman" panose="02020603050405020304" pitchFamily="18" charset="0"/>
+                              <a:ea typeface="Calibri" panose="020F0502020204030204" pitchFamily="34" charset="0"/>
+                              <a:cs typeface="Times New Roman" panose="02020603050405020304" pitchFamily="18" charset="0"/>
+                            </a:rPr>
+                            <a:t>Ссылка на работу и оптимальные </a:t>
+                          </a:r>
+                          <a:r>
+                            <a:rPr lang="ru-RU" sz="2000" kern="100" dirty="0" err="1">
+                              <a:effectLst/>
+                              <a:highlight>
+                                <a:srgbClr val="FFFF00"/>
+                              </a:highlight>
+                              <a:latin typeface="Times New Roman" panose="02020603050405020304" pitchFamily="18" charset="0"/>
+                              <a:ea typeface="Calibri" panose="020F0502020204030204" pitchFamily="34" charset="0"/>
+                              <a:cs typeface="Times New Roman" panose="02020603050405020304" pitchFamily="18" charset="0"/>
+                            </a:rPr>
+                            <a:t>аапаметры</a:t>
+                          </a:r>
                           <a:endParaRPr lang="ru-RU" sz="2000" kern="100" dirty="0">
                             <a:effectLst/>
+                            <a:highlight>
+                              <a:srgbClr val="FFFF00"/>
+                            </a:highlight>
                             <a:latin typeface="Times New Roman" panose="02020603050405020304" pitchFamily="18" charset="0"/>
                             <a:ea typeface="Calibri" panose="020F0502020204030204" pitchFamily="34" charset="0"/>
                             <a:cs typeface="Times New Roman" panose="02020603050405020304" pitchFamily="18" charset="0"/>
@@ -11945,7 +12388,7 @@
             </a:graphic>
           </p:graphicFrame>
         </mc:Choice>
-        <mc:Fallback xmlns="">
+        <mc:Fallback>
           <p:graphicFrame>
             <p:nvGraphicFramePr>
               <p:cNvPr id="4" name="Таблица 3">
@@ -11961,14 +12404,14 @@
               <p:nvPr>
                 <p:extLst>
                   <p:ext uri="{D42A27DB-BD31-4B8C-83A1-F6EECF244321}">
-                    <p14:modId xmlns:p14="http://schemas.microsoft.com/office/powerpoint/2010/main" val="2343022813"/>
+                    <p14:modId xmlns:p14="http://schemas.microsoft.com/office/powerpoint/2010/main" val="672833937"/>
                   </p:ext>
                 </p:extLst>
               </p:nvPr>
             </p:nvGraphicFramePr>
             <p:xfrm>
               <a:off x="6096000" y="1291843"/>
-              <a:ext cx="5676514" cy="3895600"/>
+              <a:ext cx="5676514" cy="4407600"/>
             </p:xfrm>
             <a:graphic>
               <a:graphicData uri="http://schemas.openxmlformats.org/drawingml/2006/table">
@@ -12035,14 +12478,14 @@
                         <a:bodyPr/>
                         <a:lstStyle/>
                         <a:p>
-                          <a:endParaRPr lang="ru-RU"/>
+                          <a:endParaRPr lang="en-US"/>
                         </a:p>
                       </a:txBody>
                       <a:tcPr marL="68580" marR="68580" marT="0" marB="0" anchor="ctr">
                         <a:blipFill>
                           <a:blip r:embed="rId2"/>
                           <a:stretch>
-                            <a:fillRect l="-279474" t="-1333" r="-113158" b="-786667"/>
+                            <a:fillRect l="-279474" t="-1333" r="-113158" b="-898667"/>
                           </a:stretch>
                         </a:blipFill>
                       </a:tcPr>
@@ -12052,14 +12495,14 @@
                         <a:bodyPr/>
                         <a:lstStyle/>
                         <a:p>
-                          <a:endParaRPr lang="ru-RU"/>
+                          <a:endParaRPr lang="en-US"/>
                         </a:p>
                       </a:txBody>
                       <a:tcPr marL="68580" marR="68580" marT="0" marB="0" anchor="ctr">
                         <a:blipFill>
                           <a:blip r:embed="rId2"/>
                           <a:stretch>
-                            <a:fillRect l="-338498" t="-1333" r="-939" b="-786667"/>
+                            <a:fillRect l="-338498" t="-1333" r="-939" b="-898667"/>
                           </a:stretch>
                         </a:blipFill>
                       </a:tcPr>
@@ -12281,7 +12724,7 @@
                       </a:ext>
                     </a:extLst>
                   </a:tr>
-                  <a:tr h="402400">
+                  <a:tr h="914400">
                     <a:tc>
                       <a:txBody>
                         <a:bodyPr/>
@@ -12302,8 +12745,44 @@
                             </a:rPr>
                             <a:t>Анизотропная диффузия</a:t>
                           </a:r>
+                        </a:p>
+                        <a:p>
+                          <a:pPr marL="0" indent="0" algn="l">
+                            <a:lnSpc>
+                              <a:spcPct val="100000"/>
+                            </a:lnSpc>
+                            <a:buFont typeface="+mj-lt"/>
+                            <a:buNone/>
+                          </a:pPr>
+                          <a:r>
+                            <a:rPr lang="ru-RU" sz="2000" kern="100" dirty="0">
+                              <a:effectLst/>
+                              <a:highlight>
+                                <a:srgbClr val="FFFF00"/>
+                              </a:highlight>
+                              <a:latin typeface="Times New Roman" panose="02020603050405020304" pitchFamily="18" charset="0"/>
+                              <a:ea typeface="Calibri" panose="020F0502020204030204" pitchFamily="34" charset="0"/>
+                              <a:cs typeface="Times New Roman" panose="02020603050405020304" pitchFamily="18" charset="0"/>
+                            </a:rPr>
+                            <a:t>Ссылка на работу и оптимальные </a:t>
+                          </a:r>
+                          <a:r>
+                            <a:rPr lang="ru-RU" sz="2000" kern="100" dirty="0" err="1">
+                              <a:effectLst/>
+                              <a:highlight>
+                                <a:srgbClr val="FFFF00"/>
+                              </a:highlight>
+                              <a:latin typeface="Times New Roman" panose="02020603050405020304" pitchFamily="18" charset="0"/>
+                              <a:ea typeface="Calibri" panose="020F0502020204030204" pitchFamily="34" charset="0"/>
+                              <a:cs typeface="Times New Roman" panose="02020603050405020304" pitchFamily="18" charset="0"/>
+                            </a:rPr>
+                            <a:t>аапаметры</a:t>
+                          </a:r>
                           <a:endParaRPr lang="ru-RU" sz="2000" kern="100" dirty="0">
                             <a:effectLst/>
+                            <a:highlight>
+                              <a:srgbClr val="FFFF00"/>
+                            </a:highlight>
                             <a:latin typeface="Times New Roman" panose="02020603050405020304" pitchFamily="18" charset="0"/>
                             <a:ea typeface="Calibri" panose="020F0502020204030204" pitchFamily="34" charset="0"/>
                             <a:cs typeface="Times New Roman" panose="02020603050405020304" pitchFamily="18" charset="0"/>
@@ -12892,9 +13371,9 @@
         <p:grpSpPr>
           <a:xfrm>
             <a:off x="100266" y="832390"/>
-            <a:ext cx="6342479" cy="5522393"/>
+            <a:ext cx="6342479" cy="5830170"/>
             <a:chOff x="100266" y="832390"/>
-            <a:chExt cx="6342479" cy="5522393"/>
+            <a:chExt cx="6342479" cy="5830170"/>
           </a:xfrm>
         </p:grpSpPr>
         <p:pic>
@@ -12942,7 +13421,7 @@
           <p:spPr>
             <a:xfrm>
               <a:off x="100266" y="5646897"/>
-              <a:ext cx="6342479" cy="707886"/>
+              <a:ext cx="6342479" cy="1015663"/>
             </a:xfrm>
             <a:prstGeom prst="rect">
               <a:avLst/>
@@ -12970,7 +13449,31 @@
                   <a:ea typeface="Times New Roman" panose="02020603050405020304" pitchFamily="18" charset="0"/>
                   <a:cs typeface="Times New Roman" panose="02020603050405020304" pitchFamily="18" charset="0"/>
                 </a:rPr>
-                <a:t>азность между интенсивностью пикселей на срезе оригинального изображения и рассматриваемого </a:t>
+                <a:t>азность между интенсивностью пикселей на срезе оригинального изображения и рассматриваемого</a:t>
+              </a:r>
+            </a:p>
+            <a:p>
+              <a:pPr algn="ctr"/>
+              <a:r>
+                <a:rPr lang="ru-RU" sz="2000" dirty="0">
+                  <a:effectLst/>
+                  <a:highlight>
+                    <a:srgbClr val="FFFF00"/>
+                  </a:highlight>
+                  <a:latin typeface="Times New Roman" panose="02020603050405020304" pitchFamily="18" charset="0"/>
+                  <a:ea typeface="Times New Roman" panose="02020603050405020304" pitchFamily="18" charset="0"/>
+                  <a:cs typeface="Times New Roman" panose="02020603050405020304" pitchFamily="18" charset="0"/>
+                </a:rPr>
+                <a:t>Добавить вычитание изображений </a:t>
+              </a:r>
+              <a:r>
+                <a:rPr lang="ru-RU" sz="2000" dirty="0">
+                  <a:effectLst/>
+                  <a:latin typeface="Times New Roman" panose="02020603050405020304" pitchFamily="18" charset="0"/>
+                  <a:ea typeface="Times New Roman" panose="02020603050405020304" pitchFamily="18" charset="0"/>
+                  <a:cs typeface="Times New Roman" panose="02020603050405020304" pitchFamily="18" charset="0"/>
+                </a:rPr>
+                <a:t> </a:t>
               </a:r>
               <a:endParaRPr lang="ru-RU" sz="2000" dirty="0">
                 <a:latin typeface="Times New Roman" panose="02020603050405020304" pitchFamily="18" charset="0"/>

--- a/text/ВКР_презаентация.pptx
+++ b/text/ВКР_презаентация.pptx
@@ -237,7 +237,7 @@
           <a:p>
             <a:fld id="{557224CE-4543-4FA2-B644-542293151773}" type="datetimeFigureOut">
               <a:rPr lang="ru-RU" smtClean="0"/>
-              <a:t>02.06.2023</a:t>
+              <a:t>03.06.2023</a:t>
             </a:fld>
             <a:endParaRPr lang="ru-RU"/>
           </a:p>
@@ -414,7 +414,7 @@
           <a:p>
             <a:fld id="{383DDE2E-1DCA-488C-881C-EAB2D1B4B02D}" type="datetimeFigureOut">
               <a:rPr lang="ru-RU" smtClean="0"/>
-              <a:t>02.06.2023</a:t>
+              <a:t>03.06.2023</a:t>
             </a:fld>
             <a:endParaRPr lang="ru-RU"/>
           </a:p>
@@ -996,7 +996,7 @@
           <a:p>
             <a:fld id="{1BD278F7-5847-4D9D-8601-9EFCF6E293C9}" type="datetime1">
               <a:rPr lang="ru-RU" smtClean="0"/>
-              <a:t>02.06.2023</a:t>
+              <a:t>03.06.2023</a:t>
             </a:fld>
             <a:endParaRPr lang="ru-RU"/>
           </a:p>
@@ -1194,7 +1194,7 @@
           <a:p>
             <a:fld id="{A502D22C-2B89-4318-8427-F19A23518E0A}" type="datetime1">
               <a:rPr lang="ru-RU" smtClean="0"/>
-              <a:t>02.06.2023</a:t>
+              <a:t>03.06.2023</a:t>
             </a:fld>
             <a:endParaRPr lang="ru-RU"/>
           </a:p>
@@ -1402,7 +1402,7 @@
           <a:p>
             <a:fld id="{93714055-A23C-494A-8C2B-73A145CC5629}" type="datetime1">
               <a:rPr lang="ru-RU" smtClean="0"/>
-              <a:t>02.06.2023</a:t>
+              <a:t>03.06.2023</a:t>
             </a:fld>
             <a:endParaRPr lang="ru-RU"/>
           </a:p>
@@ -1600,7 +1600,7 @@
           <a:p>
             <a:fld id="{07A62A0B-2AE1-4708-8C28-8E66949D8F87}" type="datetime1">
               <a:rPr lang="ru-RU" smtClean="0"/>
-              <a:t>02.06.2023</a:t>
+              <a:t>03.06.2023</a:t>
             </a:fld>
             <a:endParaRPr lang="ru-RU"/>
           </a:p>
@@ -1875,7 +1875,7 @@
           <a:p>
             <a:fld id="{23DE4278-67CE-4635-9A6E-EC92F1B4E3DC}" type="datetime1">
               <a:rPr lang="ru-RU" smtClean="0"/>
-              <a:t>02.06.2023</a:t>
+              <a:t>03.06.2023</a:t>
             </a:fld>
             <a:endParaRPr lang="ru-RU"/>
           </a:p>
@@ -2140,7 +2140,7 @@
           <a:p>
             <a:fld id="{211C2D90-6605-46C1-BC36-340E69C88DE7}" type="datetime1">
               <a:rPr lang="ru-RU" smtClean="0"/>
-              <a:t>02.06.2023</a:t>
+              <a:t>03.06.2023</a:t>
             </a:fld>
             <a:endParaRPr lang="ru-RU"/>
           </a:p>
@@ -2552,7 +2552,7 @@
           <a:p>
             <a:fld id="{A6E39A03-FB43-4C9B-8A05-8A10C5F573B6}" type="datetime1">
               <a:rPr lang="ru-RU" smtClean="0"/>
-              <a:t>02.06.2023</a:t>
+              <a:t>03.06.2023</a:t>
             </a:fld>
             <a:endParaRPr lang="ru-RU"/>
           </a:p>
@@ -2693,7 +2693,7 @@
           <a:p>
             <a:fld id="{E2836EC4-70D9-4707-B74D-188FC70B3FF0}" type="datetime1">
               <a:rPr lang="ru-RU" smtClean="0"/>
-              <a:t>02.06.2023</a:t>
+              <a:t>03.06.2023</a:t>
             </a:fld>
             <a:endParaRPr lang="ru-RU"/>
           </a:p>
@@ -2806,7 +2806,7 @@
           <a:p>
             <a:fld id="{0530AA8A-102E-41E6-AA1F-61F4268B4974}" type="datetime1">
               <a:rPr lang="ru-RU" smtClean="0"/>
-              <a:t>02.06.2023</a:t>
+              <a:t>03.06.2023</a:t>
             </a:fld>
             <a:endParaRPr lang="ru-RU"/>
           </a:p>
@@ -3117,7 +3117,7 @@
           <a:p>
             <a:fld id="{3AEB3165-CA6E-4579-B3B7-7FB6FAE20FB8}" type="datetime1">
               <a:rPr lang="ru-RU" smtClean="0"/>
-              <a:t>02.06.2023</a:t>
+              <a:t>03.06.2023</a:t>
             </a:fld>
             <a:endParaRPr lang="ru-RU"/>
           </a:p>
@@ -3405,7 +3405,7 @@
           <a:p>
             <a:fld id="{D240AE71-387F-4376-AA7D-586981FEB925}" type="datetime1">
               <a:rPr lang="ru-RU" smtClean="0"/>
-              <a:t>02.06.2023</a:t>
+              <a:t>03.06.2023</a:t>
             </a:fld>
             <a:endParaRPr lang="ru-RU"/>
           </a:p>
@@ -3646,7 +3646,7 @@
           <a:p>
             <a:fld id="{E1604AFC-8EAE-479E-8AC3-09FC56DAFE28}" type="datetime1">
               <a:rPr lang="ru-RU" smtClean="0"/>
-              <a:t>02.06.2023</a:t>
+              <a:t>03.06.2023</a:t>
             </a:fld>
             <a:endParaRPr lang="ru-RU"/>
           </a:p>
@@ -7664,8 +7664,8 @@
         </p:nvSpPr>
         <p:spPr>
           <a:xfrm>
-            <a:off x="840041" y="1513135"/>
-            <a:ext cx="10511917" cy="5135060"/>
+            <a:off x="841883" y="988483"/>
+            <a:ext cx="10511917" cy="5504392"/>
           </a:xfrm>
           <a:prstGeom prst="rect">
             <a:avLst/>
@@ -7673,7 +7673,7 @@
           <a:noFill/>
         </p:spPr>
         <p:txBody>
-          <a:bodyPr wrap="none" rtlCol="0">
+          <a:bodyPr wrap="square" rtlCol="0">
             <a:spAutoFit/>
           </a:bodyPr>
           <a:lstStyle/>
@@ -7684,7 +7684,7 @@
               </a:lnSpc>
             </a:pPr>
             <a:r>
-              <a:rPr lang="ru-RU" sz="2400" b="1" dirty="0">
+              <a:rPr lang="ru-RU" sz="2800" b="1" dirty="0">
                 <a:latin typeface="Times New Roman" panose="02020603050405020304" pitchFamily="18" charset="0"/>
                 <a:cs typeface="Times New Roman" panose="02020603050405020304" pitchFamily="18" charset="0"/>
               </a:rPr>
@@ -7704,29 +7704,15 @@
                 <a:latin typeface="Times New Roman" panose="02020603050405020304" pitchFamily="18" charset="0"/>
                 <a:cs typeface="Times New Roman" panose="02020603050405020304" pitchFamily="18" charset="0"/>
               </a:rPr>
-              <a:t>Проектирование алгоритма фильтрации спекл-шума на базе нейронной сети</a:t>
+              <a:t>Разработка и применение алгоритмов фильтрации мультипликативного спекл-шума на основе методов глубокого обучения для повышения качества радиолокационных изображений</a:t>
             </a:r>
-          </a:p>
-          <a:p>
-            <a:pPr marL="285750" indent="-285750">
-              <a:lnSpc>
-                <a:spcPct val="150000"/>
-              </a:lnSpc>
-              <a:buFont typeface="Arial" panose="020B0604020202020204" pitchFamily="34" charset="0"/>
-              <a:buChar char="•"/>
-            </a:pPr>
             <a:r>
-              <a:rPr lang="ru-RU" sz="2400" dirty="0">
-                <a:highlight>
-                  <a:srgbClr val="FFFF00"/>
-                </a:highlight>
+              <a:rPr lang="en-US" sz="2400" dirty="0">
                 <a:latin typeface="Times New Roman" panose="02020603050405020304" pitchFamily="18" charset="0"/>
                 <a:cs typeface="Times New Roman" panose="02020603050405020304" pitchFamily="18" charset="0"/>
               </a:rPr>
-              <a:t>Из диплома взять </a:t>
+              <a:t>.</a:t>
             </a:r>
-          </a:p>
-          <a:p>
             <a:endParaRPr lang="ru-RU" sz="2400" dirty="0">
               <a:latin typeface="Times New Roman" panose="02020603050405020304" pitchFamily="18" charset="0"/>
               <a:cs typeface="Times New Roman" panose="02020603050405020304" pitchFamily="18" charset="0"/>
@@ -7739,7 +7725,7 @@
               </a:lnSpc>
             </a:pPr>
             <a:r>
-              <a:rPr lang="ru-RU" sz="2400" b="1" dirty="0">
+              <a:rPr lang="ru-RU" sz="2800" b="1" dirty="0">
                 <a:latin typeface="Times New Roman" panose="02020603050405020304" pitchFamily="18" charset="0"/>
                 <a:cs typeface="Times New Roman" panose="02020603050405020304" pitchFamily="18" charset="0"/>
               </a:rPr>
@@ -8294,53 +8280,6 @@
           </p:txBody>
         </p:sp>
       </p:grpSp>
-      <p:pic>
-        <p:nvPicPr>
-          <p:cNvPr id="1026" name="Picture 2">
-            <a:extLst>
-              <a:ext uri="{FF2B5EF4-FFF2-40B4-BE49-F238E27FC236}">
-                <a16:creationId xmlns:a16="http://schemas.microsoft.com/office/drawing/2014/main" id="{297E5BE3-F31A-E512-743D-07FFB148F3B6}"/>
-              </a:ext>
-            </a:extLst>
-          </p:cNvPr>
-          <p:cNvPicPr>
-            <a:picLocks noChangeAspect="1" noChangeArrowheads="1"/>
-          </p:cNvPicPr>
-          <p:nvPr/>
-        </p:nvPicPr>
-        <p:blipFill>
-          <a:blip r:embed="rId4">
-            <a:extLst>
-              <a:ext uri="{28A0092B-C50C-407E-A947-70E740481C1C}">
-                <a14:useLocalDpi xmlns:a14="http://schemas.microsoft.com/office/drawing/2010/main" val="0"/>
-              </a:ext>
-            </a:extLst>
-          </a:blip>
-          <a:srcRect/>
-          <a:stretch>
-            <a:fillRect/>
-          </a:stretch>
-        </p:blipFill>
-        <p:spPr bwMode="auto">
-          <a:xfrm>
-            <a:off x="7772939" y="1834986"/>
-            <a:ext cx="3446797" cy="3188028"/>
-          </a:xfrm>
-          <a:prstGeom prst="rect">
-            <a:avLst/>
-          </a:prstGeom>
-          <a:noFill/>
-          <a:extLst>
-            <a:ext uri="{909E8E84-426E-40DD-AFC4-6F175D3DCCD1}">
-              <a14:hiddenFill xmlns:a14="http://schemas.microsoft.com/office/drawing/2010/main">
-                <a:solidFill>
-                  <a:srgbClr val="FFFFFF"/>
-                </a:solidFill>
-              </a14:hiddenFill>
-            </a:ext>
-          </a:extLst>
-        </p:spPr>
-      </p:pic>
       <p:sp>
         <p:nvSpPr>
           <p:cNvPr id="12" name="TextBox 11">
@@ -11416,8 +11355,8 @@
           </a:p>
         </p:txBody>
       </p:sp>
-      <mc:AlternateContent xmlns:mc="http://schemas.openxmlformats.org/markup-compatibility/2006">
-        <mc:Choice xmlns:a14="http://schemas.microsoft.com/office/drawing/2010/main" Requires="a14">
+      <mc:AlternateContent xmlns:mc="http://schemas.openxmlformats.org/markup-compatibility/2006" xmlns:a14="http://schemas.microsoft.com/office/drawing/2010/main">
+        <mc:Choice Requires="a14">
           <p:graphicFrame>
             <p:nvGraphicFramePr>
               <p:cNvPr id="4" name="Таблица 3">
@@ -12388,7 +12327,7 @@
             </a:graphic>
           </p:graphicFrame>
         </mc:Choice>
-        <mc:Fallback>
+        <mc:Fallback xmlns="">
           <p:graphicFrame>
             <p:nvGraphicFramePr>
               <p:cNvPr id="4" name="Таблица 3">
